--- a/instructors/06-Practical_adoption.pptx
+++ b/instructors/06-Practical_adoption.pptx
@@ -5,7 +5,7 @@
     <p:sldMasterId id="2147483648" r:id="rId1"/>
   </p:sldMasterIdLst>
   <p:notesMasterIdLst>
-    <p:notesMasterId r:id="rId12"/>
+    <p:notesMasterId r:id="rId10"/>
   </p:notesMasterIdLst>
   <p:sldIdLst>
     <p:sldId id="343" r:id="rId2"/>
@@ -15,9 +15,7 @@
     <p:sldId id="353" r:id="rId6"/>
     <p:sldId id="354" r:id="rId7"/>
     <p:sldId id="344" r:id="rId8"/>
-    <p:sldId id="345" r:id="rId9"/>
-    <p:sldId id="346" r:id="rId10"/>
-    <p:sldId id="319" r:id="rId11"/>
+    <p:sldId id="319" r:id="rId9"/>
   </p:sldIdLst>
   <p:sldSz cx="12192000" cy="6858000"/>
   <p:notesSz cx="6858000" cy="9144000"/>
@@ -538,7 +536,7 @@
           <a:p>
             <a:fld id="{B361C124-7373-F149-A166-BB8240B9FE77}" type="slidenum">
               <a:rPr lang="en-GB" smtClean="0"/>
-              <a:t>10</a:t>
+              <a:t>8</a:t>
             </a:fld>
             <a:endParaRPr lang="en-GB"/>
           </a:p>
@@ -3842,114 +3840,6 @@
 </p:sld>
 </file>
 
-<file path=ppt/slides/slide10.xml><?xml version="1.0" encoding="utf-8"?>
-<p:sld xmlns:a="http://schemas.openxmlformats.org/drawingml/2006/main" xmlns:r="http://schemas.openxmlformats.org/officeDocument/2006/relationships" xmlns:p="http://schemas.openxmlformats.org/presentationml/2006/main">
-  <p:cSld>
-    <p:spTree>
-      <p:nvGrpSpPr>
-        <p:cNvPr id="1" name=""/>
-        <p:cNvGrpSpPr/>
-        <p:nvPr/>
-      </p:nvGrpSpPr>
-      <p:grpSpPr>
-        <a:xfrm>
-          <a:off x="0" y="0"/>
-          <a:ext cx="0" cy="0"/>
-          <a:chOff x="0" y="0"/>
-          <a:chExt cx="0" cy="0"/>
-        </a:xfrm>
-      </p:grpSpPr>
-      <p:sp>
-        <p:nvSpPr>
-          <p:cNvPr id="2" name="Title 1">
-            <a:extLst>
-              <a:ext uri="{FF2B5EF4-FFF2-40B4-BE49-F238E27FC236}">
-                <a16:creationId xmlns:a16="http://schemas.microsoft.com/office/drawing/2014/main" id="{3A5186E0-B0CC-4664-8D5D-FE79BD5CB56F}"/>
-              </a:ext>
-            </a:extLst>
-          </p:cNvPr>
-          <p:cNvSpPr>
-            <a:spLocks noGrp="1"/>
-          </p:cNvSpPr>
-          <p:nvPr>
-            <p:ph type="title"/>
-          </p:nvPr>
-        </p:nvSpPr>
-        <p:spPr>
-          <a:xfrm>
-            <a:off x="965199" y="851517"/>
-            <a:ext cx="6140451" cy="1461778"/>
-          </a:xfrm>
-        </p:spPr>
-        <p:txBody>
-          <a:bodyPr>
-            <a:normAutofit/>
-          </a:bodyPr>
-          <a:lstStyle/>
-          <a:p>
-            <a:r>
-              <a:rPr lang="en-GB" sz="4000" dirty="0">
-                <a:solidFill>
-                  <a:srgbClr val="0070C0"/>
-                </a:solidFill>
-              </a:rPr>
-              <a:t>Question time</a:t>
-            </a:r>
-          </a:p>
-        </p:txBody>
-      </p:sp>
-      <p:pic>
-        <p:nvPicPr>
-          <p:cNvPr id="5" name="Graphic 4" descr="Questions with solid fill">
-            <a:extLst>
-              <a:ext uri="{FF2B5EF4-FFF2-40B4-BE49-F238E27FC236}">
-                <a16:creationId xmlns:a16="http://schemas.microsoft.com/office/drawing/2014/main" id="{02CE7069-253F-AF44-8C83-23BBE5DB1723}"/>
-              </a:ext>
-            </a:extLst>
-          </p:cNvPr>
-          <p:cNvPicPr>
-            <a:picLocks noChangeAspect="1"/>
-          </p:cNvPicPr>
-          <p:nvPr/>
-        </p:nvPicPr>
-        <p:blipFill>
-          <a:blip r:embed="rId3">
-            <a:extLst>
-              <a:ext uri="{28A0092B-C50C-407E-A947-70E740481C1C}">
-                <a14:useLocalDpi xmlns:a14="http://schemas.microsoft.com/office/drawing/2010/main" val="0"/>
-              </a:ext>
-              <a:ext uri="{96DAC541-7B7A-43D3-8B79-37D633B846F1}">
-                <asvg:svgBlip xmlns:asvg="http://schemas.microsoft.com/office/drawing/2016/SVG/main" r:embed="rId4"/>
-              </a:ext>
-            </a:extLst>
-          </a:blip>
-          <a:stretch>
-            <a:fillRect/>
-          </a:stretch>
-        </p:blipFill>
-        <p:spPr>
-          <a:xfrm>
-            <a:off x="7535330" y="2105470"/>
-            <a:ext cx="3217333" cy="3217333"/>
-          </a:xfrm>
-          <a:prstGeom prst="rect">
-            <a:avLst/>
-          </a:prstGeom>
-        </p:spPr>
-      </p:pic>
-    </p:spTree>
-    <p:extLst>
-      <p:ext uri="{BB962C8B-B14F-4D97-AF65-F5344CB8AC3E}">
-        <p14:creationId xmlns:p14="http://schemas.microsoft.com/office/powerpoint/2010/main" val="1110405849"/>
-      </p:ext>
-    </p:extLst>
-  </p:cSld>
-  <p:clrMapOvr>
-    <a:masterClrMapping/>
-  </p:clrMapOvr>
-</p:sld>
-</file>
-
 <file path=ppt/slides/slide2.xml><?xml version="1.0" encoding="utf-8"?>
 <p:sld xmlns:a="http://schemas.openxmlformats.org/drawingml/2006/main" xmlns:r="http://schemas.openxmlformats.org/officeDocument/2006/relationships" xmlns:p="http://schemas.openxmlformats.org/presentationml/2006/main">
   <p:cSld>
@@ -5030,7 +4920,7 @@
           <a:effectLst/>
           <a:extLst>
             <a:ext uri="{AF507438-7753-43e0-B8FC-AC1667EBCBE1}">
-              <a14:hiddenEffects xmlns:a14="http://schemas.microsoft.com/office/drawing/2010/main" xmlns="">
+              <a14:hiddenEffects xmlns="" xmlns:a14="http://schemas.microsoft.com/office/drawing/2010/main">
                 <a:effectLst>
                   <a:outerShdw dist="35921" dir="2700000" algn="ctr" rotWithShape="0">
                     <a:schemeClr val="bg2"/>
@@ -5361,7 +5251,7 @@
             <a:effectLst/>
             <a:extLst>
               <a:ext uri="{AF507438-7753-43e0-B8FC-AC1667EBCBE1}">
-                <a14:hiddenEffects xmlns:a14="http://schemas.microsoft.com/office/drawing/2010/main" xmlns="">
+                <a14:hiddenEffects xmlns="" xmlns:a14="http://schemas.microsoft.com/office/drawing/2010/main">
                   <a:effectLst>
                     <a:outerShdw dist="35921" dir="2700000" algn="ctr" rotWithShape="0">
                       <a:schemeClr val="bg2"/>
@@ -5423,7 +5313,7 @@
             <a:effectLst/>
             <a:extLst>
               <a:ext uri="{AF507438-7753-43e0-B8FC-AC1667EBCBE1}">
-                <a14:hiddenEffects xmlns:a14="http://schemas.microsoft.com/office/drawing/2010/main" xmlns="">
+                <a14:hiddenEffects xmlns="" xmlns:a14="http://schemas.microsoft.com/office/drawing/2010/main">
                   <a:effectLst>
                     <a:outerShdw dist="35921" dir="2700000" algn="ctr" rotWithShape="0">
                       <a:schemeClr val="bg2"/>
@@ -5500,7 +5390,7 @@
             <a:effectLst/>
             <a:extLst>
               <a:ext uri="{AF507438-7753-43e0-B8FC-AC1667EBCBE1}">
-                <a14:hiddenEffects xmlns:a14="http://schemas.microsoft.com/office/drawing/2010/main" xmlns="">
+                <a14:hiddenEffects xmlns="" xmlns:a14="http://schemas.microsoft.com/office/drawing/2010/main">
                   <a:effectLst>
                     <a:outerShdw dist="35921" dir="2700000" algn="ctr" rotWithShape="0">
                       <a:schemeClr val="bg2"/>
@@ -5562,7 +5452,7 @@
             <a:effectLst/>
             <a:extLst>
               <a:ext uri="{AF507438-7753-43e0-B8FC-AC1667EBCBE1}">
-                <a14:hiddenEffects xmlns:a14="http://schemas.microsoft.com/office/drawing/2010/main" xmlns="">
+                <a14:hiddenEffects xmlns="" xmlns:a14="http://schemas.microsoft.com/office/drawing/2010/main">
                   <a:effectLst>
                     <a:outerShdw dist="35921" dir="2700000" algn="ctr" rotWithShape="0">
                       <a:schemeClr val="bg2"/>
@@ -6795,7 +6685,7 @@
           <a:effectLst/>
           <a:extLst>
             <a:ext uri="{AF507438-7753-43e0-B8FC-AC1667EBCBE1}">
-              <a14:hiddenEffects xmlns:a14="http://schemas.microsoft.com/office/drawing/2010/main" xmlns="">
+              <a14:hiddenEffects xmlns="" xmlns:a14="http://schemas.microsoft.com/office/drawing/2010/main">
                 <a:effectLst>
                   <a:outerShdw dist="35921" dir="2700000" algn="ctr" rotWithShape="0">
                     <a:schemeClr val="bg2"/>
@@ -7114,7 +7004,13 @@
       </p:grpSpPr>
       <p:sp>
         <p:nvSpPr>
-          <p:cNvPr id="2" name="Title 1"/>
+          <p:cNvPr id="2" name="Title 1">
+            <a:extLst>
+              <a:ext uri="{FF2B5EF4-FFF2-40B4-BE49-F238E27FC236}">
+                <a16:creationId xmlns:a16="http://schemas.microsoft.com/office/drawing/2014/main" id="{3A5186E0-B0CC-4664-8D5D-FE79BD5CB56F}"/>
+              </a:ext>
+            </a:extLst>
+          </p:cNvPr>
           <p:cNvSpPr>
             <a:spLocks noGrp="1"/>
           </p:cNvSpPr>
@@ -7122,579 +7018,72 @@
             <p:ph type="title"/>
           </p:nvPr>
         </p:nvSpPr>
-        <p:spPr/>
-        <p:txBody>
-          <a:bodyPr/>
+        <p:spPr>
+          <a:xfrm>
+            <a:off x="965199" y="851517"/>
+            <a:ext cx="6140451" cy="1461778"/>
+          </a:xfrm>
+        </p:spPr>
+        <p:txBody>
+          <a:bodyPr>
+            <a:normAutofit/>
+          </a:bodyPr>
           <a:lstStyle/>
           <a:p>
             <a:r>
-              <a:rPr lang="en-GB" dirty="0">
+              <a:rPr lang="en-GB" sz="4000" dirty="0">
                 <a:solidFill>
                   <a:srgbClr val="0070C0"/>
                 </a:solidFill>
               </a:rPr>
-              <a:t>There is a lot to learn</a:t>
-            </a:r>
-          </a:p>
-        </p:txBody>
-      </p:sp>
-      <p:sp>
-        <p:nvSpPr>
-          <p:cNvPr id="4" name="Content Placeholder 3"/>
-          <p:cNvSpPr>
-            <a:spLocks noGrp="1"/>
-          </p:cNvSpPr>
-          <p:nvPr>
-            <p:ph idx="1"/>
-          </p:nvPr>
-        </p:nvSpPr>
+              <a:t>Question time</a:t>
+            </a:r>
+          </a:p>
+        </p:txBody>
+      </p:sp>
+      <p:pic>
+        <p:nvPicPr>
+          <p:cNvPr id="5" name="Graphic 4" descr="Questions with solid fill">
+            <a:extLst>
+              <a:ext uri="{FF2B5EF4-FFF2-40B4-BE49-F238E27FC236}">
+                <a16:creationId xmlns:a16="http://schemas.microsoft.com/office/drawing/2014/main" id="{02CE7069-253F-AF44-8C83-23BBE5DB1723}"/>
+              </a:ext>
+            </a:extLst>
+          </p:cNvPr>
+          <p:cNvPicPr>
+            <a:picLocks noChangeAspect="1"/>
+          </p:cNvPicPr>
+          <p:nvPr/>
+        </p:nvPicPr>
+        <p:blipFill>
+          <a:blip r:embed="rId3">
+            <a:extLst>
+              <a:ext uri="{28A0092B-C50C-407E-A947-70E740481C1C}">
+                <a14:useLocalDpi xmlns:a14="http://schemas.microsoft.com/office/drawing/2010/main" val="0"/>
+              </a:ext>
+              <a:ext uri="{96DAC541-7B7A-43D3-8B79-37D633B846F1}">
+                <asvg:svgBlip xmlns:asvg="http://schemas.microsoft.com/office/drawing/2016/SVG/main" r:embed="rId4"/>
+              </a:ext>
+            </a:extLst>
+          </a:blip>
+          <a:stretch>
+            <a:fillRect/>
+          </a:stretch>
+        </p:blipFill>
         <p:spPr>
           <a:xfrm>
-            <a:off x="838200" y="1825625"/>
-            <a:ext cx="10030428" cy="4351338"/>
-          </a:xfrm>
-          <a:noFill/>
-          <a:ln>
-            <a:noFill/>
-          </a:ln>
-        </p:spPr>
-        <p:style>
-          <a:lnRef idx="2">
-            <a:schemeClr val="dk1"/>
-          </a:lnRef>
-          <a:fillRef idx="1">
-            <a:schemeClr val="lt1"/>
-          </a:fillRef>
-          <a:effectRef idx="0">
-            <a:schemeClr val="dk1"/>
-          </a:effectRef>
-          <a:fontRef idx="minor">
-            <a:schemeClr val="dk1"/>
-          </a:fontRef>
-        </p:style>
-        <p:txBody>
-          <a:bodyPr>
-            <a:normAutofit/>
-          </a:bodyPr>
-          <a:lstStyle/>
-          <a:p>
-            <a:pPr marL="0" indent="0">
-              <a:buNone/>
-            </a:pPr>
-            <a:r>
-              <a:rPr lang="en-GB" sz="2400" dirty="0">
-                <a:solidFill>
-                  <a:srgbClr val="0070C0"/>
-                </a:solidFill>
-              </a:rPr>
-              <a:t>Practical recipes and guides:</a:t>
-            </a:r>
-          </a:p>
-          <a:p>
-            <a:r>
-              <a:rPr lang="en-GB" sz="2400" dirty="0">
-                <a:solidFill>
-                  <a:srgbClr val="0070C0"/>
-                </a:solidFill>
-                <a:hlinkClick r:id="rId2"/>
-              </a:rPr>
-              <a:t>https://faircookbook.elixir-europe.org/</a:t>
-            </a:r>
-            <a:endParaRPr lang="en-GB" sz="2400" dirty="0">
-              <a:solidFill>
-                <a:srgbClr val="0070C0"/>
-              </a:solidFill>
-            </a:endParaRPr>
-          </a:p>
-          <a:p>
-            <a:r>
-              <a:rPr lang="en-GB" sz="2400" dirty="0">
-                <a:solidFill>
-                  <a:srgbClr val="0070C0"/>
-                </a:solidFill>
-                <a:hlinkClick r:id="rId3"/>
-              </a:rPr>
-              <a:t>https://rdmkit.elixir-europe.org/</a:t>
-            </a:r>
-            <a:endParaRPr lang="en-GB" sz="2400" dirty="0">
-              <a:solidFill>
-                <a:srgbClr val="0070C0"/>
-              </a:solidFill>
-            </a:endParaRPr>
-          </a:p>
-          <a:p>
-            <a:endParaRPr lang="en-GB" sz="2400" dirty="0">
-              <a:solidFill>
-                <a:srgbClr val="0070C0"/>
-              </a:solidFill>
-            </a:endParaRPr>
-          </a:p>
-          <a:p>
-            <a:pPr marL="0" indent="0">
-              <a:buNone/>
-            </a:pPr>
-            <a:r>
-              <a:rPr lang="en-GB" sz="2400" dirty="0">
-                <a:solidFill>
-                  <a:srgbClr val="0070C0"/>
-                </a:solidFill>
-              </a:rPr>
-              <a:t>Training </a:t>
-            </a:r>
-          </a:p>
-          <a:p>
-            <a:r>
-              <a:rPr lang="pl-PL" sz="2400" dirty="0">
-                <a:solidFill>
-                  <a:srgbClr val="0070C0"/>
-                </a:solidFill>
-              </a:rPr>
-              <a:t>FAIR in (bio) practice</a:t>
-            </a:r>
-            <a:endParaRPr lang="en-GB" sz="2400" dirty="0">
-              <a:solidFill>
-                <a:srgbClr val="0070C0"/>
-              </a:solidFill>
-            </a:endParaRPr>
-          </a:p>
-          <a:p>
-            <a:r>
-              <a:rPr lang="en-GB" sz="2400" dirty="0" err="1">
-                <a:solidFill>
-                  <a:srgbClr val="0070C0"/>
-                </a:solidFill>
-              </a:rPr>
-              <a:t>UoE</a:t>
-            </a:r>
-            <a:r>
-              <a:rPr lang="en-GB" sz="2400" dirty="0">
-                <a:solidFill>
-                  <a:srgbClr val="0070C0"/>
-                </a:solidFill>
-              </a:rPr>
-              <a:t> RDS </a:t>
-            </a:r>
-            <a:r>
-              <a:rPr lang="en-GB" sz="2400" dirty="0">
-                <a:hlinkClick r:id="rId4"/>
-              </a:rPr>
-              <a:t>https://www.ed.ac.uk/information-services/research-support/research-data-service</a:t>
-            </a:r>
-            <a:endParaRPr lang="pl-PL" sz="2400" dirty="0"/>
-          </a:p>
-          <a:p>
-            <a:endParaRPr lang="en-GB" dirty="0">
-              <a:solidFill>
-                <a:srgbClr val="0070C0"/>
-              </a:solidFill>
-            </a:endParaRPr>
-          </a:p>
-          <a:p>
-            <a:endParaRPr lang="en-GB" dirty="0"/>
-          </a:p>
-        </p:txBody>
-      </p:sp>
-    </p:spTree>
-    <p:extLst>
-      <p:ext uri="{BB962C8B-B14F-4D97-AF65-F5344CB8AC3E}">
-        <p14:creationId xmlns:p14="http://schemas.microsoft.com/office/powerpoint/2010/main" val="2440119291"/>
-      </p:ext>
-    </p:extLst>
-  </p:cSld>
-  <p:clrMapOvr>
-    <a:masterClrMapping/>
-  </p:clrMapOvr>
-</p:sld>
-</file>
-
-<file path=ppt/slides/slide9.xml><?xml version="1.0" encoding="utf-8"?>
-<p:sld xmlns:a="http://schemas.openxmlformats.org/drawingml/2006/main" xmlns:r="http://schemas.openxmlformats.org/officeDocument/2006/relationships" xmlns:p="http://schemas.openxmlformats.org/presentationml/2006/main">
-  <p:cSld>
-    <p:spTree>
-      <p:nvGrpSpPr>
-        <p:cNvPr id="1" name=""/>
-        <p:cNvGrpSpPr/>
-        <p:nvPr/>
-      </p:nvGrpSpPr>
-      <p:grpSpPr>
-        <a:xfrm>
-          <a:off x="0" y="0"/>
-          <a:ext cx="0" cy="0"/>
-          <a:chOff x="0" y="0"/>
-          <a:chExt cx="0" cy="0"/>
-        </a:xfrm>
-      </p:grpSpPr>
-      <p:sp>
-        <p:nvSpPr>
-          <p:cNvPr id="2" name="Title 1"/>
-          <p:cNvSpPr>
-            <a:spLocks noGrp="1"/>
-          </p:cNvSpPr>
-          <p:nvPr>
-            <p:ph type="title"/>
-          </p:nvPr>
-        </p:nvSpPr>
-        <p:spPr/>
-        <p:txBody>
-          <a:bodyPr/>
-          <a:lstStyle/>
-          <a:p>
-            <a:r>
-              <a:rPr lang="en-GB" dirty="0">
-                <a:solidFill>
-                  <a:srgbClr val="0070C0"/>
-                </a:solidFill>
-              </a:rPr>
-              <a:t>FAIR in (bio) practice - </a:t>
-            </a:r>
-            <a:r>
-              <a:rPr lang="pl-PL" dirty="0">
-                <a:solidFill>
-                  <a:srgbClr val="0070C0"/>
-                </a:solidFill>
-              </a:rPr>
-              <a:t>workshop</a:t>
-            </a:r>
-            <a:endParaRPr lang="en-GB" dirty="0">
-              <a:solidFill>
-                <a:srgbClr val="0070C0"/>
-              </a:solidFill>
-            </a:endParaRPr>
-          </a:p>
-        </p:txBody>
-      </p:sp>
-      <p:sp>
-        <p:nvSpPr>
-          <p:cNvPr id="4" name="Content Placeholder 3"/>
-          <p:cNvSpPr>
-            <a:spLocks noGrp="1"/>
-          </p:cNvSpPr>
-          <p:nvPr>
-            <p:ph idx="1"/>
-          </p:nvPr>
-        </p:nvSpPr>
-        <p:spPr>
-          <a:xfrm>
-            <a:off x="838200" y="1825625"/>
-            <a:ext cx="4876800" cy="4351338"/>
-          </a:xfrm>
-        </p:spPr>
-        <p:txBody>
-          <a:bodyPr/>
-          <a:lstStyle/>
-          <a:p>
-            <a:r>
-              <a:rPr lang="en-GB" dirty="0">
-                <a:solidFill>
-                  <a:srgbClr val="0070C0"/>
-                </a:solidFill>
-              </a:rPr>
-              <a:t>Introduction to Open Science and FAIR</a:t>
-            </a:r>
-          </a:p>
-          <a:p>
-            <a:r>
-              <a:rPr lang="en-GB" dirty="0">
-                <a:solidFill>
-                  <a:srgbClr val="0070C0"/>
-                </a:solidFill>
-              </a:rPr>
-              <a:t>IP, Licensing and Openness </a:t>
-            </a:r>
-          </a:p>
-          <a:p>
-            <a:r>
-              <a:rPr lang="en-GB" dirty="0">
-                <a:solidFill>
-                  <a:srgbClr val="0070C0"/>
-                </a:solidFill>
-              </a:rPr>
-              <a:t>Metadata </a:t>
-            </a:r>
-          </a:p>
-          <a:p>
-            <a:r>
-              <a:rPr lang="en-GB" dirty="0">
-                <a:solidFill>
-                  <a:srgbClr val="0070C0"/>
-                </a:solidFill>
-              </a:rPr>
-              <a:t>Ontologies</a:t>
-            </a:r>
-          </a:p>
-          <a:p>
-            <a:r>
-              <a:rPr lang="en-GB" dirty="0">
-                <a:solidFill>
-                  <a:srgbClr val="0070C0"/>
-                </a:solidFill>
-              </a:rPr>
-              <a:t>(Meta)data in Excel</a:t>
-            </a:r>
-          </a:p>
-          <a:p>
-            <a:r>
-              <a:rPr lang="en-GB" dirty="0">
-                <a:solidFill>
-                  <a:srgbClr val="0070C0"/>
-                </a:solidFill>
-              </a:rPr>
-              <a:t>Record keeping</a:t>
-            </a:r>
-          </a:p>
-          <a:p>
-            <a:r>
-              <a:rPr lang="en-GB" dirty="0">
-                <a:solidFill>
-                  <a:srgbClr val="0070C0"/>
-                </a:solidFill>
-              </a:rPr>
-              <a:t>Working with files</a:t>
-            </a:r>
-          </a:p>
-          <a:p>
-            <a:endParaRPr lang="en-GB" dirty="0"/>
-          </a:p>
-        </p:txBody>
-      </p:sp>
-      <p:sp>
-        <p:nvSpPr>
-          <p:cNvPr id="5" name="Content Placeholder 3"/>
-          <p:cNvSpPr txBox="1">
-            <a:spLocks/>
-          </p:cNvSpPr>
-          <p:nvPr/>
-        </p:nvSpPr>
-        <p:spPr>
-          <a:xfrm>
-            <a:off x="6004560" y="1825625"/>
-            <a:ext cx="5364480" cy="4351338"/>
+            <a:off x="7535330" y="2105470"/>
+            <a:ext cx="3217333" cy="3217333"/>
           </a:xfrm>
           <a:prstGeom prst="rect">
             <a:avLst/>
           </a:prstGeom>
         </p:spPr>
-        <p:txBody>
-          <a:bodyPr vert="horz" lIns="91440" tIns="45720" rIns="91440" bIns="45720" rtlCol="0">
-            <a:normAutofit/>
-          </a:bodyPr>
-          <a:lstStyle>
-            <a:lvl1pPr marL="228600" indent="-228600" algn="l" defTabSz="914400" rtl="0" eaLnBrk="1" latinLnBrk="0" hangingPunct="1">
-              <a:lnSpc>
-                <a:spcPct val="90000"/>
-              </a:lnSpc>
-              <a:spcBef>
-                <a:spcPts val="1000"/>
-              </a:spcBef>
-              <a:buFont typeface="Arial" panose="020B0604020202020204" pitchFamily="34" charset="0"/>
-              <a:buChar char="•"/>
-              <a:defRPr sz="2800" kern="1200">
-                <a:solidFill>
-                  <a:srgbClr val="0070C0"/>
-                </a:solidFill>
-                <a:latin typeface="+mn-lt"/>
-                <a:ea typeface="+mn-ea"/>
-                <a:cs typeface="+mn-cs"/>
-              </a:defRPr>
-            </a:lvl1pPr>
-            <a:lvl2pPr marL="685800" indent="-228600" algn="l" defTabSz="914400" rtl="0" eaLnBrk="1" latinLnBrk="0" hangingPunct="1">
-              <a:lnSpc>
-                <a:spcPct val="90000"/>
-              </a:lnSpc>
-              <a:spcBef>
-                <a:spcPts val="500"/>
-              </a:spcBef>
-              <a:buFont typeface="Arial" panose="020B0604020202020204" pitchFamily="34" charset="0"/>
-              <a:buChar char="•"/>
-              <a:defRPr sz="2400" kern="1200">
-                <a:solidFill>
-                  <a:srgbClr val="0070C0"/>
-                </a:solidFill>
-                <a:latin typeface="+mn-lt"/>
-                <a:ea typeface="+mn-ea"/>
-                <a:cs typeface="+mn-cs"/>
-              </a:defRPr>
-            </a:lvl2pPr>
-            <a:lvl3pPr marL="1143000" indent="-228600" algn="l" defTabSz="914400" rtl="0" eaLnBrk="1" latinLnBrk="0" hangingPunct="1">
-              <a:lnSpc>
-                <a:spcPct val="90000"/>
-              </a:lnSpc>
-              <a:spcBef>
-                <a:spcPts val="500"/>
-              </a:spcBef>
-              <a:buFont typeface="Arial" panose="020B0604020202020204" pitchFamily="34" charset="0"/>
-              <a:buChar char="•"/>
-              <a:defRPr sz="2000" kern="1200">
-                <a:solidFill>
-                  <a:srgbClr val="0070C0"/>
-                </a:solidFill>
-                <a:latin typeface="+mn-lt"/>
-                <a:ea typeface="+mn-ea"/>
-                <a:cs typeface="+mn-cs"/>
-              </a:defRPr>
-            </a:lvl3pPr>
-            <a:lvl4pPr marL="1600200" indent="-228600" algn="l" defTabSz="914400" rtl="0" eaLnBrk="1" latinLnBrk="0" hangingPunct="1">
-              <a:lnSpc>
-                <a:spcPct val="90000"/>
-              </a:lnSpc>
-              <a:spcBef>
-                <a:spcPts val="500"/>
-              </a:spcBef>
-              <a:buFont typeface="Arial" panose="020B0604020202020204" pitchFamily="34" charset="0"/>
-              <a:buChar char="•"/>
-              <a:defRPr sz="1800" kern="1200">
-                <a:solidFill>
-                  <a:srgbClr val="0070C0"/>
-                </a:solidFill>
-                <a:latin typeface="+mn-lt"/>
-                <a:ea typeface="+mn-ea"/>
-                <a:cs typeface="+mn-cs"/>
-              </a:defRPr>
-            </a:lvl4pPr>
-            <a:lvl5pPr marL="2057400" indent="-228600" algn="l" defTabSz="914400" rtl="0" eaLnBrk="1" latinLnBrk="0" hangingPunct="1">
-              <a:lnSpc>
-                <a:spcPct val="90000"/>
-              </a:lnSpc>
-              <a:spcBef>
-                <a:spcPts val="500"/>
-              </a:spcBef>
-              <a:buFont typeface="Arial" panose="020B0604020202020204" pitchFamily="34" charset="0"/>
-              <a:buChar char="•"/>
-              <a:defRPr sz="1800" kern="1200">
-                <a:solidFill>
-                  <a:srgbClr val="0070C0"/>
-                </a:solidFill>
-                <a:latin typeface="+mn-lt"/>
-                <a:ea typeface="+mn-ea"/>
-                <a:cs typeface="+mn-cs"/>
-              </a:defRPr>
-            </a:lvl5pPr>
-            <a:lvl6pPr marL="2514600" indent="-228600" algn="l" defTabSz="914400" rtl="0" eaLnBrk="1" latinLnBrk="0" hangingPunct="1">
-              <a:lnSpc>
-                <a:spcPct val="90000"/>
-              </a:lnSpc>
-              <a:spcBef>
-                <a:spcPts val="500"/>
-              </a:spcBef>
-              <a:buFont typeface="Arial" panose="020B0604020202020204" pitchFamily="34" charset="0"/>
-              <a:buChar char="•"/>
-              <a:defRPr sz="1800" kern="1200">
-                <a:solidFill>
-                  <a:schemeClr val="tx1"/>
-                </a:solidFill>
-                <a:latin typeface="+mn-lt"/>
-                <a:ea typeface="+mn-ea"/>
-                <a:cs typeface="+mn-cs"/>
-              </a:defRPr>
-            </a:lvl6pPr>
-            <a:lvl7pPr marL="2971800" indent="-228600" algn="l" defTabSz="914400" rtl="0" eaLnBrk="1" latinLnBrk="0" hangingPunct="1">
-              <a:lnSpc>
-                <a:spcPct val="90000"/>
-              </a:lnSpc>
-              <a:spcBef>
-                <a:spcPts val="500"/>
-              </a:spcBef>
-              <a:buFont typeface="Arial" panose="020B0604020202020204" pitchFamily="34" charset="0"/>
-              <a:buChar char="•"/>
-              <a:defRPr sz="1800" kern="1200">
-                <a:solidFill>
-                  <a:schemeClr val="tx1"/>
-                </a:solidFill>
-                <a:latin typeface="+mn-lt"/>
-                <a:ea typeface="+mn-ea"/>
-                <a:cs typeface="+mn-cs"/>
-              </a:defRPr>
-            </a:lvl7pPr>
-            <a:lvl8pPr marL="3429000" indent="-228600" algn="l" defTabSz="914400" rtl="0" eaLnBrk="1" latinLnBrk="0" hangingPunct="1">
-              <a:lnSpc>
-                <a:spcPct val="90000"/>
-              </a:lnSpc>
-              <a:spcBef>
-                <a:spcPts val="500"/>
-              </a:spcBef>
-              <a:buFont typeface="Arial" panose="020B0604020202020204" pitchFamily="34" charset="0"/>
-              <a:buChar char="•"/>
-              <a:defRPr sz="1800" kern="1200">
-                <a:solidFill>
-                  <a:schemeClr val="tx1"/>
-                </a:solidFill>
-                <a:latin typeface="+mn-lt"/>
-                <a:ea typeface="+mn-ea"/>
-                <a:cs typeface="+mn-cs"/>
-              </a:defRPr>
-            </a:lvl8pPr>
-            <a:lvl9pPr marL="3886200" indent="-228600" algn="l" defTabSz="914400" rtl="0" eaLnBrk="1" latinLnBrk="0" hangingPunct="1">
-              <a:lnSpc>
-                <a:spcPct val="90000"/>
-              </a:lnSpc>
-              <a:spcBef>
-                <a:spcPts val="500"/>
-              </a:spcBef>
-              <a:buFont typeface="Arial" panose="020B0604020202020204" pitchFamily="34" charset="0"/>
-              <a:buChar char="•"/>
-              <a:defRPr sz="1800" kern="1200">
-                <a:solidFill>
-                  <a:schemeClr val="tx1"/>
-                </a:solidFill>
-                <a:latin typeface="+mn-lt"/>
-                <a:ea typeface="+mn-ea"/>
-                <a:cs typeface="+mn-cs"/>
-              </a:defRPr>
-            </a:lvl9pPr>
-          </a:lstStyle>
-          <a:p>
-            <a:r>
-              <a:rPr lang="en-GB" dirty="0"/>
-              <a:t>Reusable analysis - </a:t>
-            </a:r>
-            <a:r>
-              <a:rPr lang="en-GB" dirty="0" err="1"/>
-              <a:t>Jupyter</a:t>
-            </a:r>
-            <a:endParaRPr lang="en-GB" dirty="0"/>
-          </a:p>
-          <a:p>
-            <a:r>
-              <a:rPr lang="en-GB" dirty="0"/>
-              <a:t>Version control </a:t>
-            </a:r>
-          </a:p>
-          <a:p>
-            <a:r>
-              <a:rPr lang="en-GB" dirty="0"/>
-              <a:t>Templates  </a:t>
-            </a:r>
-          </a:p>
-          <a:p>
-            <a:r>
-              <a:rPr lang="en-GB" dirty="0"/>
-              <a:t>Public repositories</a:t>
-            </a:r>
-          </a:p>
-          <a:p>
-            <a:r>
-              <a:rPr lang="pl-PL" dirty="0"/>
-              <a:t>Writing </a:t>
-            </a:r>
-            <a:r>
-              <a:rPr lang="en-GB" dirty="0"/>
-              <a:t>Data Management Plan</a:t>
-            </a:r>
-            <a:r>
-              <a:rPr lang="pl-PL" dirty="0"/>
-              <a:t>s</a:t>
-            </a:r>
-            <a:endParaRPr lang="en-GB" dirty="0"/>
-          </a:p>
-          <a:p>
-            <a:endParaRPr lang="en-GB" dirty="0"/>
-          </a:p>
-        </p:txBody>
-      </p:sp>
+      </p:pic>
     </p:spTree>
     <p:extLst>
       <p:ext uri="{BB962C8B-B14F-4D97-AF65-F5344CB8AC3E}">
-        <p14:creationId xmlns:p14="http://schemas.microsoft.com/office/powerpoint/2010/main" val="36609390"/>
+        <p14:creationId xmlns:p14="http://schemas.microsoft.com/office/powerpoint/2010/main" val="1110405849"/>
       </p:ext>
     </p:extLst>
   </p:cSld>
